--- a/PUM2/Wyk/Wyklad2.pptx
+++ b/PUM2/Wyk/Wyklad2.pptx
@@ -300,7 +300,7 @@
           <a:p>
             <a:fld id="{5113504E-0C99-2340-A5F6-DD6E1A87C372}" type="datetimeFigureOut">
               <a:rPr lang="pl-PL" smtClean="0"/>
-              <a:t>15.09.2025</a:t>
+              <a:t>8.11.2025</a:t>
             </a:fld>
             <a:endParaRPr lang="pl-PL"/>
           </a:p>
@@ -466,7 +466,7 @@
           <a:p>
             <a:fld id="{F78C933E-44E9-2D43-91B0-0D2BEEFA7EB9}" type="datetimeFigureOut">
               <a:rPr lang="pl-PL" smtClean="0"/>
-              <a:t>15.09.2025</a:t>
+              <a:t>8.11.2025</a:t>
             </a:fld>
             <a:endParaRPr lang="pl-PL"/>
           </a:p>
@@ -4105,7 +4105,7 @@
           <a:p>
             <a:fld id="{91017B01-0C30-B241-B19F-621BE4770608}" type="datetimeFigureOut">
               <a:rPr lang="pl-PL" smtClean="0"/>
-              <a:t>15.09.2025</a:t>
+              <a:t>8.11.2025</a:t>
             </a:fld>
             <a:endParaRPr lang="pl-PL"/>
           </a:p>
@@ -4274,7 +4274,7 @@
           <a:p>
             <a:fld id="{91017B01-0C30-B241-B19F-621BE4770608}" type="datetimeFigureOut">
               <a:rPr lang="pl-PL" smtClean="0"/>
-              <a:t>15.09.2025</a:t>
+              <a:t>8.11.2025</a:t>
             </a:fld>
             <a:endParaRPr lang="pl-PL"/>
           </a:p>
@@ -4453,7 +4453,7 @@
           <a:p>
             <a:fld id="{91017B01-0C30-B241-B19F-621BE4770608}" type="datetimeFigureOut">
               <a:rPr lang="pl-PL" smtClean="0"/>
-              <a:t>15.09.2025</a:t>
+              <a:t>8.11.2025</a:t>
             </a:fld>
             <a:endParaRPr lang="pl-PL"/>
           </a:p>
@@ -4622,7 +4622,7 @@
           <a:p>
             <a:fld id="{91017B01-0C30-B241-B19F-621BE4770608}" type="datetimeFigureOut">
               <a:rPr lang="pl-PL" smtClean="0"/>
-              <a:t>15.09.2025</a:t>
+              <a:t>8.11.2025</a:t>
             </a:fld>
             <a:endParaRPr lang="pl-PL"/>
           </a:p>
@@ -4868,7 +4868,7 @@
           <a:p>
             <a:fld id="{91017B01-0C30-B241-B19F-621BE4770608}" type="datetimeFigureOut">
               <a:rPr lang="pl-PL" smtClean="0"/>
-              <a:t>15.09.2025</a:t>
+              <a:t>8.11.2025</a:t>
             </a:fld>
             <a:endParaRPr lang="pl-PL"/>
           </a:p>
@@ -5154,7 +5154,7 @@
           <a:p>
             <a:fld id="{91017B01-0C30-B241-B19F-621BE4770608}" type="datetimeFigureOut">
               <a:rPr lang="pl-PL" smtClean="0"/>
-              <a:t>15.09.2025</a:t>
+              <a:t>8.11.2025</a:t>
             </a:fld>
             <a:endParaRPr lang="pl-PL"/>
           </a:p>
@@ -5574,7 +5574,7 @@
           <a:p>
             <a:fld id="{91017B01-0C30-B241-B19F-621BE4770608}" type="datetimeFigureOut">
               <a:rPr lang="pl-PL" smtClean="0"/>
-              <a:t>15.09.2025</a:t>
+              <a:t>8.11.2025</a:t>
             </a:fld>
             <a:endParaRPr lang="pl-PL"/>
           </a:p>
@@ -5692,7 +5692,7 @@
           <a:p>
             <a:fld id="{91017B01-0C30-B241-B19F-621BE4770608}" type="datetimeFigureOut">
               <a:rPr lang="pl-PL" smtClean="0"/>
-              <a:t>15.09.2025</a:t>
+              <a:t>8.11.2025</a:t>
             </a:fld>
             <a:endParaRPr lang="pl-PL"/>
           </a:p>
@@ -5788,7 +5788,7 @@
           <a:p>
             <a:fld id="{91017B01-0C30-B241-B19F-621BE4770608}" type="datetimeFigureOut">
               <a:rPr lang="pl-PL" smtClean="0"/>
-              <a:t>15.09.2025</a:t>
+              <a:t>8.11.2025</a:t>
             </a:fld>
             <a:endParaRPr lang="pl-PL"/>
           </a:p>
@@ -6065,7 +6065,7 @@
           <a:p>
             <a:fld id="{91017B01-0C30-B241-B19F-621BE4770608}" type="datetimeFigureOut">
               <a:rPr lang="pl-PL" smtClean="0"/>
-              <a:t>15.09.2025</a:t>
+              <a:t>8.11.2025</a:t>
             </a:fld>
             <a:endParaRPr lang="pl-PL"/>
           </a:p>
@@ -6321,7 +6321,7 @@
           <a:p>
             <a:fld id="{91017B01-0C30-B241-B19F-621BE4770608}" type="datetimeFigureOut">
               <a:rPr lang="pl-PL" smtClean="0"/>
-              <a:t>15.09.2025</a:t>
+              <a:t>8.11.2025</a:t>
             </a:fld>
             <a:endParaRPr lang="pl-PL"/>
           </a:p>
@@ -6533,7 +6533,7 @@
           <a:p>
             <a:fld id="{91017B01-0C30-B241-B19F-621BE4770608}" type="datetimeFigureOut">
               <a:rPr lang="pl-PL" smtClean="0"/>
-              <a:t>15.09.2025</a:t>
+              <a:t>8.11.2025</a:t>
             </a:fld>
             <a:endParaRPr lang="pl-PL"/>
           </a:p>
